--- a/docs/Tackle Sensor PCB.pptx
+++ b/docs/Tackle Sensor PCB.pptx
@@ -107,6 +107,11 @@
       </a:defRPr>
     </a:lvl9pPr>
   </p:defaultTextStyle>
+  <p:extLst>
+    <p:ext uri="{EFAFB233-063F-42B5-8137-9DF3F51BA10A}">
+      <p15:sldGuideLst xmlns:p15="http://schemas.microsoft.com/office/powerpoint/2012/main"/>
+    </p:ext>
+  </p:extLst>
 </p:presentation>
 </file>
 
@@ -3378,6 +3383,24 @@
               <a:t>Jon Bayert</a:t>
             </a:r>
           </a:p>
+          <a:p>
+            <a:r>
+              <a:rPr lang="en-US" dirty="0"/>
+              <a:t>Oc-20-2020</a:t>
+            </a:r>
+          </a:p>
+          <a:p>
+            <a:r>
+              <a:rPr lang="en-US">
+                <a:hlinkClick r:id="rId2"/>
+              </a:rPr>
+              <a:t>https://github.com/jbayert/TackleSensorPCB</a:t>
+            </a:r>
+            <a:endParaRPr lang="en-US"/>
+          </a:p>
+          <a:p>
+            <a:endParaRPr lang="en-US" dirty="0"/>
+          </a:p>
         </p:txBody>
       </p:sp>
     </p:spTree>

--- a/docs/Tackle Sensor PCB.pptx
+++ b/docs/Tackle Sensor PCB.pptx
@@ -7,8 +7,9 @@
   <p:sldIdLst>
     <p:sldId id="256" r:id="rId2"/>
     <p:sldId id="257" r:id="rId3"/>
-    <p:sldId id="258" r:id="rId4"/>
-    <p:sldId id="259" r:id="rId5"/>
+    <p:sldId id="260" r:id="rId4"/>
+    <p:sldId id="258" r:id="rId5"/>
+    <p:sldId id="259" r:id="rId6"/>
   </p:sldIdLst>
   <p:sldSz cx="12192000" cy="6858000"/>
   <p:notesSz cx="6858000" cy="9144000"/>
@@ -3503,6 +3504,156 @@
           <a:chExt cx="0" cy="0"/>
         </a:xfrm>
       </p:grpSpPr>
+      <p:sp>
+        <p:nvSpPr>
+          <p:cNvPr id="2" name="Title 1">
+            <a:extLst>
+              <a:ext uri="{FF2B5EF4-FFF2-40B4-BE49-F238E27FC236}">
+                <a16:creationId xmlns:a16="http://schemas.microsoft.com/office/drawing/2014/main" id="{613A9A4B-3401-4AB3-B423-C049645BFCF6}"/>
+              </a:ext>
+            </a:extLst>
+          </p:cNvPr>
+          <p:cNvSpPr>
+            <a:spLocks noGrp="1"/>
+          </p:cNvSpPr>
+          <p:nvPr>
+            <p:ph type="title"/>
+          </p:nvPr>
+        </p:nvSpPr>
+        <p:spPr/>
+        <p:txBody>
+          <a:bodyPr/>
+          <a:lstStyle/>
+          <a:p>
+            <a:r>
+              <a:rPr lang="en-US" dirty="0"/>
+              <a:t>Typical use</a:t>
+            </a:r>
+          </a:p>
+        </p:txBody>
+      </p:sp>
+      <p:pic>
+        <p:nvPicPr>
+          <p:cNvPr id="12" name="Content Placeholder 11">
+            <a:extLst>
+              <a:ext uri="{FF2B5EF4-FFF2-40B4-BE49-F238E27FC236}">
+                <a16:creationId xmlns:a16="http://schemas.microsoft.com/office/drawing/2014/main" id="{F73BDD74-E024-44F3-BE36-69B2457E4E92}"/>
+              </a:ext>
+            </a:extLst>
+          </p:cNvPr>
+          <p:cNvPicPr>
+            <a:picLocks noGrp="1" noChangeAspect="1"/>
+          </p:cNvPicPr>
+          <p:nvPr>
+            <p:ph idx="1"/>
+          </p:nvPr>
+        </p:nvPicPr>
+        <p:blipFill>
+          <a:blip r:embed="rId2"/>
+          <a:stretch>
+            <a:fillRect/>
+          </a:stretch>
+        </p:blipFill>
+        <p:spPr>
+          <a:xfrm>
+            <a:off x="146520" y="2174250"/>
+            <a:ext cx="3802710" cy="3406435"/>
+          </a:xfrm>
+          <a:prstGeom prst="rect">
+            <a:avLst/>
+          </a:prstGeom>
+        </p:spPr>
+      </p:pic>
+      <p:pic>
+        <p:nvPicPr>
+          <p:cNvPr id="13" name="Picture 12">
+            <a:extLst>
+              <a:ext uri="{FF2B5EF4-FFF2-40B4-BE49-F238E27FC236}">
+                <a16:creationId xmlns:a16="http://schemas.microsoft.com/office/drawing/2014/main" id="{2EEBCE1C-69E6-4FBE-A496-792BCDC23E72}"/>
+              </a:ext>
+            </a:extLst>
+          </p:cNvPr>
+          <p:cNvPicPr>
+            <a:picLocks noChangeAspect="1"/>
+          </p:cNvPicPr>
+          <p:nvPr/>
+        </p:nvPicPr>
+        <p:blipFill>
+          <a:blip r:embed="rId3"/>
+          <a:stretch>
+            <a:fillRect/>
+          </a:stretch>
+        </p:blipFill>
+        <p:spPr>
+          <a:xfrm>
+            <a:off x="8242772" y="2136146"/>
+            <a:ext cx="3490262" cy="3360711"/>
+          </a:xfrm>
+          <a:prstGeom prst="rect">
+            <a:avLst/>
+          </a:prstGeom>
+        </p:spPr>
+      </p:pic>
+      <p:pic>
+        <p:nvPicPr>
+          <p:cNvPr id="14" name="Picture 13">
+            <a:extLst>
+              <a:ext uri="{FF2B5EF4-FFF2-40B4-BE49-F238E27FC236}">
+                <a16:creationId xmlns:a16="http://schemas.microsoft.com/office/drawing/2014/main" id="{D517D469-44FE-4A74-B8C8-AEC0A947A5B1}"/>
+              </a:ext>
+            </a:extLst>
+          </p:cNvPr>
+          <p:cNvPicPr>
+            <a:picLocks noChangeAspect="1"/>
+          </p:cNvPicPr>
+          <p:nvPr/>
+        </p:nvPicPr>
+        <p:blipFill>
+          <a:blip r:embed="rId4"/>
+          <a:stretch>
+            <a:fillRect/>
+          </a:stretch>
+        </p:blipFill>
+        <p:spPr>
+          <a:xfrm>
+            <a:off x="4337334" y="2258076"/>
+            <a:ext cx="4054191" cy="3238781"/>
+          </a:xfrm>
+          <a:prstGeom prst="rect">
+            <a:avLst/>
+          </a:prstGeom>
+        </p:spPr>
+      </p:pic>
+    </p:spTree>
+    <p:extLst>
+      <p:ext uri="{BB962C8B-B14F-4D97-AF65-F5344CB8AC3E}">
+        <p14:creationId xmlns:p14="http://schemas.microsoft.com/office/powerpoint/2010/main" val="3065255277"/>
+      </p:ext>
+    </p:extLst>
+  </p:cSld>
+  <p:clrMapOvr>
+    <a:masterClrMapping/>
+  </p:clrMapOvr>
+</p:sld>
+</file>
+
+<file path=ppt/slides/slide4.xml><?xml version="1.0" encoding="utf-8"?>
+<p:sld xmlns:a="http://schemas.openxmlformats.org/drawingml/2006/main" xmlns:r="http://schemas.openxmlformats.org/officeDocument/2006/relationships" xmlns:p="http://schemas.openxmlformats.org/presentationml/2006/main">
+  <p:cSld>
+    <p:spTree>
+      <p:nvGrpSpPr>
+        <p:cNvPr id="1" name=""/>
+        <p:cNvGrpSpPr/>
+        <p:nvPr/>
+      </p:nvGrpSpPr>
+      <p:grpSpPr>
+        <a:xfrm>
+          <a:off x="0" y="0"/>
+          <a:ext cx="0" cy="0"/>
+          <a:chOff x="0" y="0"/>
+          <a:chExt cx="0" cy="0"/>
+        </a:xfrm>
+      </p:grpSpPr>
       <p:pic>
         <p:nvPicPr>
           <p:cNvPr id="4" name="Picture 3">
@@ -3546,7 +3697,7 @@
 </p:sld>
 </file>
 
-<file path=ppt/slides/slide4.xml><?xml version="1.0" encoding="utf-8"?>
+<file path=ppt/slides/slide5.xml><?xml version="1.0" encoding="utf-8"?>
 <p:sld xmlns:a="http://schemas.openxmlformats.org/drawingml/2006/main" xmlns:r="http://schemas.openxmlformats.org/officeDocument/2006/relationships" xmlns:p="http://schemas.openxmlformats.org/presentationml/2006/main">
   <p:cSld>
     <p:spTree>
